--- a/科研绘图及数据/模型/薄膜沉积过程示意图.pptx
+++ b/科研绘图及数据/模型/薄膜沉积过程示意图.pptx
@@ -104,6 +104,11 @@
       </a:defRPr>
     </a:lvl9pPr>
   </p:defaultTextStyle>
+  <p:extLst>
+    <p:ext uri="{EFAFB233-063F-42B5-8137-9DF3F51BA10A}">
+      <p15:sldGuideLst xmlns:p15="http://schemas.microsoft.com/office/powerpoint/2012/main"/>
+    </p:ext>
+  </p:extLst>
 </p:presentation>
 </file>
 
@@ -3095,7 +3100,10 @@
               <a:avLst/>
             </a:prstGeom>
             <a:noFill/>
-            <a:ln w="25400">
+            <a:ln w="38100">
+              <a:solidFill>
+                <a:srgbClr val="0070C0"/>
+              </a:solidFill>
               <a:prstDash val="dash"/>
             </a:ln>
           </p:spPr>
@@ -3139,7 +3147,10 @@
               <a:avLst/>
             </a:prstGeom>
             <a:noFill/>
-            <a:ln w="25400">
+            <a:ln w="38100">
+              <a:solidFill>
+                <a:srgbClr val="0070C0"/>
+              </a:solidFill>
               <a:prstDash val="dash"/>
             </a:ln>
           </p:spPr>
@@ -3250,7 +3261,7 @@
               <a:prstGeom prst="arc">
                 <a:avLst/>
               </a:prstGeom>
-              <a:ln w="25400">
+              <a:ln w="38100">
                 <a:solidFill>
                   <a:schemeClr val="tx1">
                     <a:lumMod val="95000"/>
@@ -3285,20 +3296,18 @@
           <p:cxnSp>
             <p:nvCxnSpPr>
               <p:cNvPr id="23" name="直接连接符 22"/>
-              <p:cNvCxnSpPr>
-                <a:stCxn id="19" idx="0"/>
-              </p:cNvCxnSpPr>
+              <p:cNvCxnSpPr/>
               <p:nvPr/>
             </p:nvCxnSpPr>
             <p:spPr>
               <a:xfrm>
-                <a:off x="6526319" y="2423107"/>
+                <a:off x="6526318" y="2429759"/>
                 <a:ext cx="195323" cy="103899"/>
               </a:xfrm>
               <a:prstGeom prst="line">
                 <a:avLst/>
               </a:prstGeom>
-              <a:ln w="25400">
+              <a:ln w="38100">
                 <a:solidFill>
                   <a:schemeClr val="tx1">
                     <a:lumMod val="95000"/>
@@ -3329,14 +3338,14 @@
               <p:nvPr/>
             </p:nvCxnSpPr>
             <p:spPr>
-              <a:xfrm rot="-3600000" flipH="1">
-                <a:off x="6428656" y="2465138"/>
+              <a:xfrm rot="18000000" flipH="1">
+                <a:off x="6432498" y="2481709"/>
                 <a:ext cx="195323" cy="103899"/>
               </a:xfrm>
               <a:prstGeom prst="line">
                 <a:avLst/>
               </a:prstGeom>
-              <a:ln w="25400">
+              <a:ln w="38100">
                 <a:solidFill>
                   <a:schemeClr val="tx1">
                     <a:lumMod val="95000"/>
@@ -3461,7 +3470,7 @@
             <a:prstGeom prst="straightConnector1">
               <a:avLst/>
             </a:prstGeom>
-            <a:ln w="25400">
+            <a:ln w="38100">
               <a:solidFill>
                 <a:srgbClr val="FF0000"/>
               </a:solidFill>
@@ -3499,7 +3508,7 @@
             <a:prstGeom prst="straightConnector1">
               <a:avLst/>
             </a:prstGeom>
-            <a:ln w="25400">
+            <a:ln w="38100">
               <a:solidFill>
                 <a:srgbClr val="FF0000"/>
               </a:solidFill>
@@ -3565,10 +3574,10 @@
           </p:nvGrpSpPr>
           <p:grpSpPr>
             <a:xfrm rot="19913341">
-              <a:off x="5531738" y="1352050"/>
-              <a:ext cx="704007" cy="768587"/>
-              <a:chOff x="5531738" y="1352050"/>
-              <a:chExt cx="704007" cy="768587"/>
+              <a:off x="5527011" y="1333169"/>
+              <a:ext cx="704007" cy="788651"/>
+              <a:chOff x="5531738" y="1331986"/>
+              <a:chExt cx="704007" cy="788651"/>
             </a:xfrm>
           </p:grpSpPr>
           <p:sp>
@@ -3585,7 +3594,7 @@
               <a:prstGeom prst="arc">
                 <a:avLst/>
               </a:prstGeom>
-              <a:ln w="25400">
+              <a:ln w="38100">
                 <a:solidFill>
                   <a:srgbClr val="FF0000"/>
                 </a:solidFill>
@@ -3617,18 +3626,20 @@
           <p:cxnSp>
             <p:nvCxnSpPr>
               <p:cNvPr id="47" name="直接连接符 46"/>
-              <p:cNvCxnSpPr/>
+              <p:cNvCxnSpPr>
+                <a:stCxn id="45" idx="0"/>
+              </p:cNvCxnSpPr>
               <p:nvPr/>
             </p:nvCxnSpPr>
             <p:spPr>
-              <a:xfrm rot="-600000">
-                <a:off x="5772885" y="1430368"/>
-                <a:ext cx="109958" cy="47107"/>
+              <a:xfrm rot="1686659" flipV="1">
+                <a:off x="5766363" y="1438538"/>
+                <a:ext cx="129049" cy="30256"/>
               </a:xfrm>
               <a:prstGeom prst="line">
                 <a:avLst/>
               </a:prstGeom>
-              <a:ln w="25400">
+              <a:ln w="38100">
                 <a:solidFill>
                   <a:srgbClr val="FF0000"/>
                 </a:solidFill>
@@ -3652,20 +3663,18 @@
           <p:cxnSp>
             <p:nvCxnSpPr>
               <p:cNvPr id="52" name="直接连接符 51"/>
-              <p:cNvCxnSpPr>
-                <a:stCxn id="45" idx="0"/>
-              </p:cNvCxnSpPr>
+              <p:cNvCxnSpPr/>
               <p:nvPr/>
             </p:nvCxnSpPr>
             <p:spPr>
-              <a:xfrm flipV="1">
-                <a:off x="5766846" y="1352050"/>
-                <a:ext cx="110631" cy="84556"/>
+              <a:xfrm rot="1686659" flipV="1">
+                <a:off x="5795186" y="1331986"/>
+                <a:ext cx="57739" cy="126708"/>
               </a:xfrm>
               <a:prstGeom prst="line">
                 <a:avLst/>
               </a:prstGeom>
-              <a:ln w="25400">
+              <a:ln w="38100">
                 <a:solidFill>
                   <a:srgbClr val="FF0000"/>
                 </a:solidFill>
